--- a/Slackbot.pptx
+++ b/Slackbot.pptx
@@ -250,7 +250,7 @@
           <a:p>
             <a:fld id="{80680FBE-A8DF-4758-9AC4-3A9E1039168F}" type="datetimeFigureOut">
               <a:rPr lang="en-US" smtClean="0"/>
-              <a:t>3/23/2021</a:t>
+              <a:t>3/29/2021</a:t>
             </a:fld>
             <a:endParaRPr lang="en-US" dirty="0"/>
           </a:p>
@@ -415,7 +415,7 @@
           <a:p>
             <a:fld id="{EC13577B-6902-467D-A26C-08A0DD5E4E03}" type="datetimeFigureOut">
               <a:rPr lang="en-US" smtClean="0"/>
-              <a:t>3/23/2021</a:t>
+              <a:t>3/29/2021</a:t>
             </a:fld>
             <a:endParaRPr lang="en-US" dirty="0"/>
           </a:p>
@@ -1210,7 +1210,7 @@
             <a:fld id="{8BEEBAAA-29B5-4AF5-BC5F-7E580C29002D}" type="datetimeFigureOut">
               <a:rPr lang="en-US" smtClean="0"/>
               <a:pPr/>
-              <a:t>3/23/2021</a:t>
+              <a:t>3/29/2021</a:t>
             </a:fld>
             <a:endParaRPr lang="en-US" dirty="0"/>
           </a:p>
@@ -1836,7 +1836,7 @@
             <a:fld id="{8BEEBAAA-29B5-4AF5-BC5F-7E580C29002D}" type="datetimeFigureOut">
               <a:rPr lang="en-US" smtClean="0"/>
               <a:pPr/>
-              <a:t>3/23/2021</a:t>
+              <a:t>3/29/2021</a:t>
             </a:fld>
             <a:endParaRPr lang="en-US" dirty="0"/>
           </a:p>
@@ -6143,13 +6143,13 @@
         </p:nvPicPr>
         <p:blipFill rotWithShape="1">
           <a:blip r:embed="rId2"/>
-          <a:srcRect l="14398" b="2450"/>
+          <a:srcRect l="9537" r="1" b="31990"/>
           <a:stretch/>
         </p:blipFill>
         <p:spPr>
           <a:xfrm>
-            <a:off x="2143124" y="1263100"/>
-            <a:ext cx="8555355" cy="5142305"/>
+            <a:off x="1657350" y="1263100"/>
+            <a:ext cx="9041129" cy="3585125"/>
           </a:xfrm>
         </p:spPr>
       </p:pic>
@@ -7074,6 +7074,24 @@
 </file>
 
 <file path=customXml/item1.xml><?xml version="1.0" encoding="utf-8"?>
+<p:properties xmlns:p="http://schemas.microsoft.com/office/2006/metadata/properties" xmlns:xsi="http://www.w3.org/2001/XMLSchema-instance" xmlns:pc="http://schemas.microsoft.com/office/infopath/2007/PartnerControls">
+  <documentManagement>
+    <Status xmlns="71af3243-3dd4-4a8d-8c0d-dd76da1f02a5">Not started</Status>
+    <MediaServiceKeyPoints xmlns="71af3243-3dd4-4a8d-8c0d-dd76da1f02a5" xsi:nil="true"/>
+  </documentManagement>
+</p:properties>
+</file>
+
+<file path=customXml/item2.xml><?xml version="1.0" encoding="utf-8"?>
+<?mso-contentType ?>
+<FormTemplates xmlns="http://schemas.microsoft.com/sharepoint/v3/contenttype/forms">
+  <Display>DocumentLibraryForm</Display>
+  <Edit>DocumentLibraryForm</Edit>
+  <New>DocumentLibraryForm</New>
+</FormTemplates>
+</file>
+
+<file path=customXml/item3.xml><?xml version="1.0" encoding="utf-8"?>
 <ct:contentTypeSchema xmlns:ct="http://schemas.microsoft.com/office/2006/metadata/contentType" xmlns:ma="http://schemas.microsoft.com/office/2006/metadata/properties/metaAttributes" ct:_="" ma:_="" ma:contentTypeName="Document" ma:contentTypeID="0x01010079F111ED35F8CC479449609E8A0923A6" ma:contentTypeVersion="12" ma:contentTypeDescription="Create a new document." ma:contentTypeScope="" ma:versionID="a8a52e8c320b9a064ae3583ae3861c92">
   <xsd:schema xmlns:xsd="http://www.w3.org/2001/XMLSchema" xmlns:xs="http://www.w3.org/2001/XMLSchema" xmlns:p="http://schemas.microsoft.com/office/2006/metadata/properties" xmlns:ns2="71af3243-3dd4-4a8d-8c0d-dd76da1f02a5" xmlns:ns3="16c05727-aa75-4e4a-9b5f-8a80a1165891" targetNamespace="http://schemas.microsoft.com/office/2006/metadata/properties" ma:root="true" ma:fieldsID="88020cb39231a0945110f9cd888b521a" ns2:_="" ns3:_="">
     <xsd:import namespace="71af3243-3dd4-4a8d-8c0d-dd76da1f02a5"/>
@@ -7294,25 +7312,32 @@
 </ct:contentTypeSchema>
 </file>
 
-<file path=customXml/item2.xml><?xml version="1.0" encoding="utf-8"?>
-<?mso-contentType ?>
-<FormTemplates xmlns="http://schemas.microsoft.com/sharepoint/v3/contenttype/forms">
-  <Display>DocumentLibraryForm</Display>
-  <Edit>DocumentLibraryForm</Edit>
-  <New>DocumentLibraryForm</New>
-</FormTemplates>
+<file path=customXml/itemProps1.xml><?xml version="1.0" encoding="utf-8"?>
+<ds:datastoreItem xmlns:ds="http://schemas.openxmlformats.org/officeDocument/2006/customXml" ds:itemID="{950072C5-DDE0-4258-BA7A-4D4B80DFA632}">
+  <ds:schemaRefs>
+    <ds:schemaRef ds:uri="http://schemas.microsoft.com/office/2006/metadata/properties"/>
+    <ds:schemaRef ds:uri="http://schemas.openxmlformats.org/package/2006/metadata/core-properties"/>
+    <ds:schemaRef ds:uri="http://purl.org/dc/elements/1.1/"/>
+    <ds:schemaRef ds:uri="16c05727-aa75-4e4a-9b5f-8a80a1165891"/>
+    <ds:schemaRef ds:uri="71af3243-3dd4-4a8d-8c0d-dd76da1f02a5"/>
+    <ds:schemaRef ds:uri="http://www.w3.org/XML/1998/namespace"/>
+    <ds:schemaRef ds:uri="http://schemas.microsoft.com/office/2006/documentManagement/types"/>
+    <ds:schemaRef ds:uri="http://schemas.microsoft.com/office/infopath/2007/PartnerControls"/>
+    <ds:schemaRef ds:uri="http://purl.org/dc/dcmitype/"/>
+    <ds:schemaRef ds:uri="http://purl.org/dc/terms/"/>
+  </ds:schemaRefs>
+</ds:datastoreItem>
 </file>
 
-<file path=customXml/item3.xml><?xml version="1.0" encoding="utf-8"?>
-<p:properties xmlns:p="http://schemas.microsoft.com/office/2006/metadata/properties" xmlns:xsi="http://www.w3.org/2001/XMLSchema-instance" xmlns:pc="http://schemas.microsoft.com/office/infopath/2007/PartnerControls">
-  <documentManagement>
-    <Status xmlns="71af3243-3dd4-4a8d-8c0d-dd76da1f02a5">Not started</Status>
-    <MediaServiceKeyPoints xmlns="71af3243-3dd4-4a8d-8c0d-dd76da1f02a5" xsi:nil="true"/>
-  </documentManagement>
-</p:properties>
+<file path=customXml/itemProps2.xml><?xml version="1.0" encoding="utf-8"?>
+<ds:datastoreItem xmlns:ds="http://schemas.openxmlformats.org/officeDocument/2006/customXml" ds:itemID="{7EE8C63A-4744-4DE4-BB49-0FF0B5375C60}">
+  <ds:schemaRefs>
+    <ds:schemaRef ds:uri="http://schemas.microsoft.com/sharepoint/v3/contenttype/forms"/>
+  </ds:schemaRefs>
+</ds:datastoreItem>
 </file>
 
-<file path=customXml/itemProps1.xml><?xml version="1.0" encoding="utf-8"?>
+<file path=customXml/itemProps3.xml><?xml version="1.0" encoding="utf-8"?>
 <ds:datastoreItem xmlns:ds="http://schemas.openxmlformats.org/officeDocument/2006/customXml" ds:itemID="{FD7FC771-7DFE-49DA-B577-71181BFBCB2E}">
   <ds:schemaRefs>
     <ds:schemaRef ds:uri="http://schemas.microsoft.com/office/2006/metadata/contentType"/>
@@ -7329,29 +7354,4 @@
     <ds:schemaRef ds:uri="http://schemas.microsoft.com/internal/obd"/>
   </ds:schemaRefs>
 </ds:datastoreItem>
-</file>
-
-<file path=customXml/itemProps2.xml><?xml version="1.0" encoding="utf-8"?>
-<ds:datastoreItem xmlns:ds="http://schemas.openxmlformats.org/officeDocument/2006/customXml" ds:itemID="{7EE8C63A-4744-4DE4-BB49-0FF0B5375C60}">
-  <ds:schemaRefs>
-    <ds:schemaRef ds:uri="http://schemas.microsoft.com/sharepoint/v3/contenttype/forms"/>
-  </ds:schemaRefs>
-</ds:datastoreItem>
-</file>
-
-<file path=customXml/itemProps3.xml><?xml version="1.0" encoding="utf-8"?>
-<ds:datastoreItem xmlns:ds="http://schemas.openxmlformats.org/officeDocument/2006/customXml" ds:itemID="{950072C5-DDE0-4258-BA7A-4D4B80DFA632}">
-  <ds:schemaRefs>
-    <ds:schemaRef ds:uri="http://schemas.microsoft.com/office/2006/metadata/properties"/>
-    <ds:schemaRef ds:uri="http://schemas.openxmlformats.org/package/2006/metadata/core-properties"/>
-    <ds:schemaRef ds:uri="http://purl.org/dc/elements/1.1/"/>
-    <ds:schemaRef ds:uri="16c05727-aa75-4e4a-9b5f-8a80a1165891"/>
-    <ds:schemaRef ds:uri="71af3243-3dd4-4a8d-8c0d-dd76da1f02a5"/>
-    <ds:schemaRef ds:uri="http://www.w3.org/XML/1998/namespace"/>
-    <ds:schemaRef ds:uri="http://schemas.microsoft.com/office/2006/documentManagement/types"/>
-    <ds:schemaRef ds:uri="http://schemas.microsoft.com/office/infopath/2007/PartnerControls"/>
-    <ds:schemaRef ds:uri="http://purl.org/dc/dcmitype/"/>
-    <ds:schemaRef ds:uri="http://purl.org/dc/terms/"/>
-  </ds:schemaRefs>
-</ds:datastoreItem>
 </file>